--- a/flowchart.pptx
+++ b/flowchart.pptx
@@ -104,6 +104,11 @@
       </a:defRPr>
     </a:lvl9pPr>
   </p:defaultTextStyle>
+  <p:extLst>
+    <p:ext uri="{EFAFB233-063F-42B5-8137-9DF3F51BA10A}">
+      <p15:sldGuideLst xmlns:p15="http://schemas.microsoft.com/office/powerpoint/2012/main"/>
+    </p:ext>
+  </p:extLst>
 </p:presentation>
 </file>
 
@@ -3370,7 +3375,7 @@
         </p:nvSpPr>
         <p:spPr>
           <a:xfrm>
-            <a:off x="6096000" y="172721"/>
+            <a:off x="5418656" y="112795"/>
             <a:ext cx="1253067" cy="609158"/>
           </a:xfrm>
           <a:prstGeom prst="roundRect">
@@ -3438,14 +3443,16 @@
             </a:extLst>
           </p:cNvPr>
           <p:cNvCxnSpPr>
-            <a:stCxn id="5" idx="2"/>
+            <a:cxnSpLocks/>
+            <a:stCxn id="29" idx="2"/>
+            <a:endCxn id="16" idx="0"/>
           </p:cNvCxnSpPr>
           <p:nvPr/>
         </p:nvCxnSpPr>
         <p:spPr>
-          <a:xfrm flipH="1">
-            <a:off x="6718852" y="781879"/>
-            <a:ext cx="3682" cy="251791"/>
+          <a:xfrm>
+            <a:off x="4037490" y="2672102"/>
+            <a:ext cx="2165973" cy="2256891"/>
           </a:xfrm>
           <a:prstGeom prst="straightConnector1">
             <a:avLst/>
@@ -3471,10 +3478,10 @@
       </p:cxnSp>
       <p:sp>
         <p:nvSpPr>
-          <p:cNvPr id="12" name="מלבן: פינות מעוגלות 11">
-            <a:extLst>
-              <a:ext uri="{FF2B5EF4-FFF2-40B4-BE49-F238E27FC236}">
-                <a16:creationId xmlns:a16="http://schemas.microsoft.com/office/drawing/2014/main" id="{8E316B67-56AA-6408-6B4D-B4EF2D1AF9F3}"/>
+          <p:cNvPr id="16" name="מלבן: פינות מעוגלות 15">
+            <a:extLst>
+              <a:ext uri="{FF2B5EF4-FFF2-40B4-BE49-F238E27FC236}">
+                <a16:creationId xmlns:a16="http://schemas.microsoft.com/office/drawing/2014/main" id="{AF03F47A-9C20-D767-F13D-D865240FBA25}"/>
               </a:ext>
             </a:extLst>
           </p:cNvPr>
@@ -3483,7 +3490,7 @@
         </p:nvSpPr>
         <p:spPr>
           <a:xfrm>
-            <a:off x="6092318" y="1033670"/>
+            <a:off x="5576929" y="4928993"/>
             <a:ext cx="1253067" cy="609158"/>
           </a:xfrm>
           <a:prstGeom prst="roundRect">
@@ -3531,7 +3538,7 @@
                   <a:schemeClr val="tx2"/>
                 </a:solidFill>
               </a:rPr>
-              <a:t>Context provider</a:t>
+              <a:t>Menu</a:t>
             </a:r>
             <a:endParaRPr lang="he-IL" dirty="0">
               <a:solidFill>
@@ -3541,51 +3548,12 @@
           </a:p>
         </p:txBody>
       </p:sp>
-      <p:cxnSp>
-        <p:nvCxnSpPr>
-          <p:cNvPr id="13" name="מחבר חץ ישר 12">
-            <a:extLst>
-              <a:ext uri="{FF2B5EF4-FFF2-40B4-BE49-F238E27FC236}">
-                <a16:creationId xmlns:a16="http://schemas.microsoft.com/office/drawing/2014/main" id="{6F89ED24-F37E-AD47-283E-013D2E152BBC}"/>
-              </a:ext>
-            </a:extLst>
-          </p:cNvPr>
-          <p:cNvCxnSpPr/>
-          <p:nvPr/>
-        </p:nvCxnSpPr>
-        <p:spPr>
-          <a:xfrm flipH="1">
-            <a:off x="6718851" y="1642828"/>
-            <a:ext cx="3682" cy="251791"/>
-          </a:xfrm>
-          <a:prstGeom prst="straightConnector1">
-            <a:avLst/>
-          </a:prstGeom>
-          <a:ln>
-            <a:tailEnd type="triangle"/>
-          </a:ln>
-        </p:spPr>
-        <p:style>
-          <a:lnRef idx="1">
-            <a:schemeClr val="accent1"/>
-          </a:lnRef>
-          <a:fillRef idx="0">
-            <a:schemeClr val="accent1"/>
-          </a:fillRef>
-          <a:effectRef idx="0">
-            <a:schemeClr val="accent1"/>
-          </a:effectRef>
-          <a:fontRef idx="minor">
-            <a:schemeClr val="tx1"/>
-          </a:fontRef>
-        </p:style>
-      </p:cxnSp>
-      <p:sp>
-        <p:nvSpPr>
-          <p:cNvPr id="16" name="מלבן: פינות מעוגלות 15">
-            <a:extLst>
-              <a:ext uri="{FF2B5EF4-FFF2-40B4-BE49-F238E27FC236}">
-                <a16:creationId xmlns:a16="http://schemas.microsoft.com/office/drawing/2014/main" id="{AF03F47A-9C20-D767-F13D-D865240FBA25}"/>
+      <p:sp>
+        <p:nvSpPr>
+          <p:cNvPr id="21" name="מלבן: פינות מעוגלות 20">
+            <a:extLst>
+              <a:ext uri="{FF2B5EF4-FFF2-40B4-BE49-F238E27FC236}">
+                <a16:creationId xmlns:a16="http://schemas.microsoft.com/office/drawing/2014/main" id="{C59512E4-AB4C-DFA4-B336-6441E3798652}"/>
               </a:ext>
             </a:extLst>
           </p:cNvPr>
@@ -3594,7 +3562,7 @@
         </p:nvSpPr>
         <p:spPr>
           <a:xfrm>
-            <a:off x="6092318" y="1894619"/>
+            <a:off x="5469466" y="1098733"/>
             <a:ext cx="1253067" cy="609158"/>
           </a:xfrm>
           <a:prstGeom prst="roundRect">
@@ -3642,7 +3610,7 @@
                   <a:schemeClr val="tx2"/>
                 </a:solidFill>
               </a:rPr>
-              <a:t>router</a:t>
+              <a:t>App Layout</a:t>
             </a:r>
             <a:endParaRPr lang="he-IL" dirty="0">
               <a:solidFill>
@@ -3652,42 +3620,141 @@
           </a:p>
         </p:txBody>
       </p:sp>
-      <p:pic>
-        <p:nvPicPr>
-          <p:cNvPr id="18" name="תמונה 17">
-            <a:extLst>
-              <a:ext uri="{FF2B5EF4-FFF2-40B4-BE49-F238E27FC236}">
-                <a16:creationId xmlns:a16="http://schemas.microsoft.com/office/drawing/2014/main" id="{5A98D5E4-87E7-AB78-DC13-5FBAA12A802B}"/>
-              </a:ext>
-            </a:extLst>
-          </p:cNvPr>
-          <p:cNvPicPr>
-            <a:picLocks noChangeAspect="1"/>
-          </p:cNvPicPr>
+      <p:cxnSp>
+        <p:nvCxnSpPr>
+          <p:cNvPr id="23" name="מחבר חץ ישר 22">
+            <a:extLst>
+              <a:ext uri="{FF2B5EF4-FFF2-40B4-BE49-F238E27FC236}">
+                <a16:creationId xmlns:a16="http://schemas.microsoft.com/office/drawing/2014/main" id="{64BBC5F9-95B9-28FC-E919-7F6C6FBCD700}"/>
+              </a:ext>
+            </a:extLst>
+          </p:cNvPr>
+          <p:cNvCxnSpPr>
+            <a:cxnSpLocks/>
+            <a:stCxn id="21" idx="2"/>
+            <a:endCxn id="6" idx="0"/>
+          </p:cNvCxnSpPr>
           <p:nvPr/>
-        </p:nvPicPr>
-        <p:blipFill>
-          <a:blip r:embed="rId2"/>
-          <a:stretch>
-            <a:fillRect/>
-          </a:stretch>
-        </p:blipFill>
+        </p:nvCxnSpPr>
         <p:spPr>
           <a:xfrm>
-            <a:off x="6637888" y="2522620"/>
-            <a:ext cx="161925" cy="333375"/>
+            <a:off x="6096000" y="1707891"/>
+            <a:ext cx="2951921" cy="488517"/>
           </a:xfrm>
-          <a:prstGeom prst="rect">
+          <a:prstGeom prst="straightConnector1">
             <a:avLst/>
           </a:prstGeom>
+          <a:ln>
+            <a:tailEnd type="triangle"/>
+          </a:ln>
         </p:spPr>
-      </p:pic>
-      <p:sp>
-        <p:nvSpPr>
-          <p:cNvPr id="21" name="מלבן: פינות מעוגלות 20">
-            <a:extLst>
-              <a:ext uri="{FF2B5EF4-FFF2-40B4-BE49-F238E27FC236}">
-                <a16:creationId xmlns:a16="http://schemas.microsoft.com/office/drawing/2014/main" id="{C59512E4-AB4C-DFA4-B336-6441E3798652}"/>
+        <p:style>
+          <a:lnRef idx="1">
+            <a:schemeClr val="accent1"/>
+          </a:lnRef>
+          <a:fillRef idx="0">
+            <a:schemeClr val="accent1"/>
+          </a:fillRef>
+          <a:effectRef idx="0">
+            <a:schemeClr val="accent1"/>
+          </a:effectRef>
+          <a:fontRef idx="minor">
+            <a:schemeClr val="tx1"/>
+          </a:fontRef>
+        </p:style>
+      </p:cxnSp>
+      <p:cxnSp>
+        <p:nvCxnSpPr>
+          <p:cNvPr id="25" name="מחבר חץ ישר 24">
+            <a:extLst>
+              <a:ext uri="{FF2B5EF4-FFF2-40B4-BE49-F238E27FC236}">
+                <a16:creationId xmlns:a16="http://schemas.microsoft.com/office/drawing/2014/main" id="{4384CBC5-CBDC-7E5F-E251-9B0E6F9F661F}"/>
+              </a:ext>
+            </a:extLst>
+          </p:cNvPr>
+          <p:cNvCxnSpPr>
+            <a:cxnSpLocks/>
+            <a:stCxn id="21" idx="2"/>
+            <a:endCxn id="7" idx="0"/>
+          </p:cNvCxnSpPr>
+          <p:nvPr/>
+        </p:nvCxnSpPr>
+        <p:spPr>
+          <a:xfrm>
+            <a:off x="6096000" y="1707891"/>
+            <a:ext cx="1125577" cy="964211"/>
+          </a:xfrm>
+          <a:prstGeom prst="straightConnector1">
+            <a:avLst/>
+          </a:prstGeom>
+          <a:ln>
+            <a:tailEnd type="triangle"/>
+          </a:ln>
+        </p:spPr>
+        <p:style>
+          <a:lnRef idx="1">
+            <a:schemeClr val="accent1"/>
+          </a:lnRef>
+          <a:fillRef idx="0">
+            <a:schemeClr val="accent1"/>
+          </a:fillRef>
+          <a:effectRef idx="0">
+            <a:schemeClr val="accent1"/>
+          </a:effectRef>
+          <a:fontRef idx="minor">
+            <a:schemeClr val="tx1"/>
+          </a:fontRef>
+        </p:style>
+      </p:cxnSp>
+      <p:cxnSp>
+        <p:nvCxnSpPr>
+          <p:cNvPr id="27" name="מחבר חץ ישר 26">
+            <a:extLst>
+              <a:ext uri="{FF2B5EF4-FFF2-40B4-BE49-F238E27FC236}">
+                <a16:creationId xmlns:a16="http://schemas.microsoft.com/office/drawing/2014/main" id="{156FC113-BF54-C928-3E0E-E15D1258CBDF}"/>
+              </a:ext>
+            </a:extLst>
+          </p:cNvPr>
+          <p:cNvCxnSpPr>
+            <a:cxnSpLocks/>
+            <a:stCxn id="21" idx="2"/>
+            <a:endCxn id="8" idx="0"/>
+          </p:cNvCxnSpPr>
+          <p:nvPr/>
+        </p:nvCxnSpPr>
+        <p:spPr>
+          <a:xfrm flipH="1">
+            <a:off x="2462026" y="1707891"/>
+            <a:ext cx="3633974" cy="138205"/>
+          </a:xfrm>
+          <a:prstGeom prst="straightConnector1">
+            <a:avLst/>
+          </a:prstGeom>
+          <a:ln>
+            <a:tailEnd type="triangle"/>
+          </a:ln>
+        </p:spPr>
+        <p:style>
+          <a:lnRef idx="1">
+            <a:schemeClr val="accent1"/>
+          </a:lnRef>
+          <a:fillRef idx="0">
+            <a:schemeClr val="accent1"/>
+          </a:fillRef>
+          <a:effectRef idx="0">
+            <a:schemeClr val="accent1"/>
+          </a:effectRef>
+          <a:fontRef idx="minor">
+            <a:schemeClr val="tx1"/>
+          </a:fontRef>
+        </p:style>
+      </p:cxnSp>
+      <p:sp>
+        <p:nvSpPr>
+          <p:cNvPr id="28" name="מלבן: פינות מעוגלות 27">
+            <a:extLst>
+              <a:ext uri="{FF2B5EF4-FFF2-40B4-BE49-F238E27FC236}">
+                <a16:creationId xmlns:a16="http://schemas.microsoft.com/office/drawing/2014/main" id="{6650EECD-C0D4-2BFB-215D-4238583D4289}"/>
               </a:ext>
             </a:extLst>
           </p:cNvPr>
@@ -3696,7 +3763,7 @@
         </p:nvSpPr>
         <p:spPr>
           <a:xfrm>
-            <a:off x="6092318" y="2751960"/>
+            <a:off x="8715469" y="4052435"/>
             <a:ext cx="1253067" cy="609158"/>
           </a:xfrm>
           <a:prstGeom prst="roundRect">
@@ -3744,7 +3811,7 @@
                   <a:schemeClr val="tx2"/>
                 </a:solidFill>
               </a:rPr>
-              <a:t>App Layout</a:t>
+              <a:t>Login</a:t>
             </a:r>
             <a:endParaRPr lang="he-IL" dirty="0">
               <a:solidFill>
@@ -3754,144 +3821,21 @@
           </a:p>
         </p:txBody>
       </p:sp>
-      <p:cxnSp>
-        <p:nvCxnSpPr>
-          <p:cNvPr id="23" name="מחבר חץ ישר 22">
-            <a:extLst>
-              <a:ext uri="{FF2B5EF4-FFF2-40B4-BE49-F238E27FC236}">
-                <a16:creationId xmlns:a16="http://schemas.microsoft.com/office/drawing/2014/main" id="{64BBC5F9-95B9-28FC-E919-7F6C6FBCD700}"/>
-              </a:ext>
-            </a:extLst>
-          </p:cNvPr>
-          <p:cNvCxnSpPr>
-            <a:stCxn id="21" idx="2"/>
-          </p:cNvCxnSpPr>
+      <p:sp>
+        <p:nvSpPr>
+          <p:cNvPr id="29" name="מלבן: פינות מעוגלות 28">
+            <a:extLst>
+              <a:ext uri="{FF2B5EF4-FFF2-40B4-BE49-F238E27FC236}">
+                <a16:creationId xmlns:a16="http://schemas.microsoft.com/office/drawing/2014/main" id="{3BC0ACFA-ACB1-2864-8059-3A9763C5CF8F}"/>
+              </a:ext>
+            </a:extLst>
+          </p:cNvPr>
+          <p:cNvSpPr/>
           <p:nvPr/>
-        </p:nvCxnSpPr>
+        </p:nvSpPr>
         <p:spPr>
           <a:xfrm>
-            <a:off x="6718852" y="3361118"/>
-            <a:ext cx="1033670" cy="415752"/>
-          </a:xfrm>
-          <a:prstGeom prst="straightConnector1">
-            <a:avLst/>
-          </a:prstGeom>
-          <a:ln>
-            <a:tailEnd type="triangle"/>
-          </a:ln>
-        </p:spPr>
-        <p:style>
-          <a:lnRef idx="1">
-            <a:schemeClr val="accent1"/>
-          </a:lnRef>
-          <a:fillRef idx="0">
-            <a:schemeClr val="accent1"/>
-          </a:fillRef>
-          <a:effectRef idx="0">
-            <a:schemeClr val="accent1"/>
-          </a:effectRef>
-          <a:fontRef idx="minor">
-            <a:schemeClr val="tx1"/>
-          </a:fontRef>
-        </p:style>
-      </p:cxnSp>
-      <p:cxnSp>
-        <p:nvCxnSpPr>
-          <p:cNvPr id="25" name="מחבר חץ ישר 24">
-            <a:extLst>
-              <a:ext uri="{FF2B5EF4-FFF2-40B4-BE49-F238E27FC236}">
-                <a16:creationId xmlns:a16="http://schemas.microsoft.com/office/drawing/2014/main" id="{4384CBC5-CBDC-7E5F-E251-9B0E6F9F661F}"/>
-              </a:ext>
-            </a:extLst>
-          </p:cNvPr>
-          <p:cNvCxnSpPr>
-            <a:stCxn id="21" idx="2"/>
-          </p:cNvCxnSpPr>
-          <p:nvPr/>
-        </p:nvCxnSpPr>
-        <p:spPr>
-          <a:xfrm flipH="1">
-            <a:off x="6718850" y="3361118"/>
-            <a:ext cx="2" cy="640888"/>
-          </a:xfrm>
-          <a:prstGeom prst="straightConnector1">
-            <a:avLst/>
-          </a:prstGeom>
-          <a:ln>
-            <a:tailEnd type="triangle"/>
-          </a:ln>
-        </p:spPr>
-        <p:style>
-          <a:lnRef idx="1">
-            <a:schemeClr val="accent1"/>
-          </a:lnRef>
-          <a:fillRef idx="0">
-            <a:schemeClr val="accent1"/>
-          </a:fillRef>
-          <a:effectRef idx="0">
-            <a:schemeClr val="accent1"/>
-          </a:effectRef>
-          <a:fontRef idx="minor">
-            <a:schemeClr val="tx1"/>
-          </a:fontRef>
-        </p:style>
-      </p:cxnSp>
-      <p:cxnSp>
-        <p:nvCxnSpPr>
-          <p:cNvPr id="27" name="מחבר חץ ישר 26">
-            <a:extLst>
-              <a:ext uri="{FF2B5EF4-FFF2-40B4-BE49-F238E27FC236}">
-                <a16:creationId xmlns:a16="http://schemas.microsoft.com/office/drawing/2014/main" id="{156FC113-BF54-C928-3E0E-E15D1258CBDF}"/>
-              </a:ext>
-            </a:extLst>
-          </p:cNvPr>
-          <p:cNvCxnSpPr>
-            <a:stCxn id="21" idx="2"/>
-          </p:cNvCxnSpPr>
-          <p:nvPr/>
-        </p:nvCxnSpPr>
-        <p:spPr>
-          <a:xfrm flipH="1">
-            <a:off x="5473149" y="3361118"/>
-            <a:ext cx="1245703" cy="415752"/>
-          </a:xfrm>
-          <a:prstGeom prst="straightConnector1">
-            <a:avLst/>
-          </a:prstGeom>
-          <a:ln>
-            <a:tailEnd type="triangle"/>
-          </a:ln>
-        </p:spPr>
-        <p:style>
-          <a:lnRef idx="1">
-            <a:schemeClr val="accent1"/>
-          </a:lnRef>
-          <a:fillRef idx="0">
-            <a:schemeClr val="accent1"/>
-          </a:fillRef>
-          <a:effectRef idx="0">
-            <a:schemeClr val="accent1"/>
-          </a:effectRef>
-          <a:fontRef idx="minor">
-            <a:schemeClr val="tx1"/>
-          </a:fontRef>
-        </p:style>
-      </p:cxnSp>
-      <p:sp>
-        <p:nvSpPr>
-          <p:cNvPr id="28" name="מלבן: פינות מעוגלות 27">
-            <a:extLst>
-              <a:ext uri="{FF2B5EF4-FFF2-40B4-BE49-F238E27FC236}">
-                <a16:creationId xmlns:a16="http://schemas.microsoft.com/office/drawing/2014/main" id="{6650EECD-C0D4-2BFB-215D-4238583D4289}"/>
-              </a:ext>
-            </a:extLst>
-          </p:cNvPr>
-          <p:cNvSpPr/>
-          <p:nvPr/>
-        </p:nvSpPr>
-        <p:spPr>
-          <a:xfrm>
-            <a:off x="4525984" y="3785081"/>
+            <a:off x="3410956" y="2062944"/>
             <a:ext cx="1253067" cy="609158"/>
           </a:xfrm>
           <a:prstGeom prst="roundRect">
@@ -3939,7 +3883,18 @@
                   <a:schemeClr val="tx2"/>
                 </a:solidFill>
               </a:rPr>
-              <a:t>User</a:t>
+              <a:t>Router + </a:t>
+            </a:r>
+          </a:p>
+          <a:p>
+            <a:pPr algn="ctr"/>
+            <a:r>
+              <a:rPr lang="en-US" dirty="0">
+                <a:solidFill>
+                  <a:schemeClr val="tx2"/>
+                </a:solidFill>
+              </a:rPr>
+              <a:t>Nav Bar</a:t>
             </a:r>
             <a:endParaRPr lang="he-IL" dirty="0">
               <a:solidFill>
@@ -3951,10 +3906,10 @@
       </p:sp>
       <p:sp>
         <p:nvSpPr>
-          <p:cNvPr id="29" name="מלבן: פינות מעוגלות 28">
-            <a:extLst>
-              <a:ext uri="{FF2B5EF4-FFF2-40B4-BE49-F238E27FC236}">
-                <a16:creationId xmlns:a16="http://schemas.microsoft.com/office/drawing/2014/main" id="{3BC0ACFA-ACB1-2864-8059-3A9763C5CF8F}"/>
+          <p:cNvPr id="30" name="מלבן: פינות מעוגלות 29">
+            <a:extLst>
+              <a:ext uri="{FF2B5EF4-FFF2-40B4-BE49-F238E27FC236}">
+                <a16:creationId xmlns:a16="http://schemas.microsoft.com/office/drawing/2014/main" id="{6F649A07-AF92-75B5-61F6-94E15A59BA61}"/>
               </a:ext>
             </a:extLst>
           </p:cNvPr>
@@ -3963,7 +3918,7 @@
         </p:nvSpPr>
         <p:spPr>
           <a:xfrm>
-            <a:off x="6092316" y="4025053"/>
+            <a:off x="8095013" y="5619683"/>
             <a:ext cx="1253067" cy="609158"/>
           </a:xfrm>
           <a:prstGeom prst="roundRect">
@@ -4011,7 +3966,7 @@
                   <a:schemeClr val="tx2"/>
                 </a:solidFill>
               </a:rPr>
-              <a:t>Nav Bar</a:t>
+              <a:t>Update Details</a:t>
             </a:r>
             <a:endParaRPr lang="he-IL" dirty="0">
               <a:solidFill>
@@ -4023,10 +3978,10 @@
       </p:sp>
       <p:sp>
         <p:nvSpPr>
-          <p:cNvPr id="30" name="מלבן: פינות מעוגלות 29">
-            <a:extLst>
-              <a:ext uri="{FF2B5EF4-FFF2-40B4-BE49-F238E27FC236}">
-                <a16:creationId xmlns:a16="http://schemas.microsoft.com/office/drawing/2014/main" id="{6F649A07-AF92-75B5-61F6-94E15A59BA61}"/>
+          <p:cNvPr id="6" name="מלבן: פינות מעוגלות 5">
+            <a:extLst>
+              <a:ext uri="{FF2B5EF4-FFF2-40B4-BE49-F238E27FC236}">
+                <a16:creationId xmlns:a16="http://schemas.microsoft.com/office/drawing/2014/main" id="{119BEAF5-2CE1-A821-16C9-57656E299611}"/>
               </a:ext>
             </a:extLst>
           </p:cNvPr>
@@ -4035,7 +3990,7 @@
         </p:nvSpPr>
         <p:spPr>
           <a:xfrm>
-            <a:off x="7481587" y="3776870"/>
+            <a:off x="8421387" y="2196408"/>
             <a:ext cx="1253067" cy="609158"/>
           </a:xfrm>
           <a:prstGeom prst="roundRect">
@@ -4083,7 +4038,7 @@
                   <a:schemeClr val="tx2"/>
                 </a:solidFill>
               </a:rPr>
-              <a:t>Output</a:t>
+              <a:t>User Context</a:t>
             </a:r>
             <a:endParaRPr lang="he-IL" dirty="0">
               <a:solidFill>
@@ -4093,6 +4048,1055 @@
           </a:p>
         </p:txBody>
       </p:sp>
+      <p:sp>
+        <p:nvSpPr>
+          <p:cNvPr id="7" name="מלבן: פינות מעוגלות 6">
+            <a:extLst>
+              <a:ext uri="{FF2B5EF4-FFF2-40B4-BE49-F238E27FC236}">
+                <a16:creationId xmlns:a16="http://schemas.microsoft.com/office/drawing/2014/main" id="{E5C8470B-6179-D8FB-3E34-F5ECB24BE307}"/>
+              </a:ext>
+            </a:extLst>
+          </p:cNvPr>
+          <p:cNvSpPr/>
+          <p:nvPr/>
+        </p:nvSpPr>
+        <p:spPr>
+          <a:xfrm>
+            <a:off x="6595043" y="2672102"/>
+            <a:ext cx="1253067" cy="609158"/>
+          </a:xfrm>
+          <a:prstGeom prst="roundRect">
+            <a:avLst/>
+          </a:prstGeom>
+          <a:solidFill>
+            <a:schemeClr val="tx2">
+              <a:lumMod val="20000"/>
+              <a:lumOff val="80000"/>
+            </a:schemeClr>
+          </a:solidFill>
+          <a:ln>
+            <a:solidFill>
+              <a:schemeClr val="tx2">
+                <a:lumMod val="60000"/>
+                <a:lumOff val="40000"/>
+              </a:schemeClr>
+            </a:solidFill>
+          </a:ln>
+        </p:spPr>
+        <p:style>
+          <a:lnRef idx="2">
+            <a:schemeClr val="accent1">
+              <a:shade val="15000"/>
+            </a:schemeClr>
+          </a:lnRef>
+          <a:fillRef idx="1">
+            <a:schemeClr val="accent1"/>
+          </a:fillRef>
+          <a:effectRef idx="0">
+            <a:schemeClr val="accent1"/>
+          </a:effectRef>
+          <a:fontRef idx="minor">
+            <a:schemeClr val="lt1"/>
+          </a:fontRef>
+        </p:style>
+        <p:txBody>
+          <a:bodyPr rtlCol="1" anchor="ctr"/>
+          <a:lstStyle/>
+          <a:p>
+            <a:pPr algn="ctr"/>
+            <a:r>
+              <a:rPr lang="en-US" dirty="0">
+                <a:solidFill>
+                  <a:schemeClr val="tx2"/>
+                </a:solidFill>
+              </a:rPr>
+              <a:t>Home Page</a:t>
+            </a:r>
+            <a:endParaRPr lang="he-IL" dirty="0">
+              <a:solidFill>
+                <a:schemeClr val="tx2"/>
+              </a:solidFill>
+            </a:endParaRPr>
+          </a:p>
+        </p:txBody>
+      </p:sp>
+      <p:sp>
+        <p:nvSpPr>
+          <p:cNvPr id="8" name="מלבן: פינות מעוגלות 7">
+            <a:extLst>
+              <a:ext uri="{FF2B5EF4-FFF2-40B4-BE49-F238E27FC236}">
+                <a16:creationId xmlns:a16="http://schemas.microsoft.com/office/drawing/2014/main" id="{C34187E1-3239-B764-CA5E-E87DDC3A165E}"/>
+              </a:ext>
+            </a:extLst>
+          </p:cNvPr>
+          <p:cNvSpPr/>
+          <p:nvPr/>
+        </p:nvSpPr>
+        <p:spPr>
+          <a:xfrm>
+            <a:off x="1835492" y="1846096"/>
+            <a:ext cx="1253067" cy="609158"/>
+          </a:xfrm>
+          <a:prstGeom prst="roundRect">
+            <a:avLst/>
+          </a:prstGeom>
+          <a:solidFill>
+            <a:schemeClr val="tx2">
+              <a:lumMod val="20000"/>
+              <a:lumOff val="80000"/>
+            </a:schemeClr>
+          </a:solidFill>
+          <a:ln>
+            <a:solidFill>
+              <a:schemeClr val="tx2">
+                <a:lumMod val="60000"/>
+                <a:lumOff val="40000"/>
+              </a:schemeClr>
+            </a:solidFill>
+          </a:ln>
+        </p:spPr>
+        <p:style>
+          <a:lnRef idx="2">
+            <a:schemeClr val="accent1">
+              <a:shade val="15000"/>
+            </a:schemeClr>
+          </a:lnRef>
+          <a:fillRef idx="1">
+            <a:schemeClr val="accent1"/>
+          </a:fillRef>
+          <a:effectRef idx="0">
+            <a:schemeClr val="accent1"/>
+          </a:effectRef>
+          <a:fontRef idx="minor">
+            <a:schemeClr val="lt1"/>
+          </a:fontRef>
+        </p:style>
+        <p:txBody>
+          <a:bodyPr rtlCol="1" anchor="ctr"/>
+          <a:lstStyle/>
+          <a:p>
+            <a:pPr algn="ctr"/>
+            <a:r>
+              <a:rPr lang="en-US" dirty="0">
+                <a:solidFill>
+                  <a:schemeClr val="tx2"/>
+                </a:solidFill>
+              </a:rPr>
+              <a:t>Outlet</a:t>
+            </a:r>
+            <a:endParaRPr lang="he-IL" dirty="0">
+              <a:solidFill>
+                <a:schemeClr val="tx2"/>
+              </a:solidFill>
+            </a:endParaRPr>
+          </a:p>
+        </p:txBody>
+      </p:sp>
+      <p:cxnSp>
+        <p:nvCxnSpPr>
+          <p:cNvPr id="9" name="מחבר חץ ישר 8">
+            <a:extLst>
+              <a:ext uri="{FF2B5EF4-FFF2-40B4-BE49-F238E27FC236}">
+                <a16:creationId xmlns:a16="http://schemas.microsoft.com/office/drawing/2014/main" id="{9D7D24A0-F358-B459-7C78-873994971B38}"/>
+              </a:ext>
+            </a:extLst>
+          </p:cNvPr>
+          <p:cNvCxnSpPr>
+            <a:cxnSpLocks/>
+            <a:stCxn id="7" idx="2"/>
+            <a:endCxn id="28" idx="0"/>
+          </p:cNvCxnSpPr>
+          <p:nvPr/>
+        </p:nvCxnSpPr>
+        <p:spPr>
+          <a:xfrm>
+            <a:off x="7221577" y="3281260"/>
+            <a:ext cx="2120426" cy="771175"/>
+          </a:xfrm>
+          <a:prstGeom prst="straightConnector1">
+            <a:avLst/>
+          </a:prstGeom>
+          <a:ln>
+            <a:tailEnd type="triangle"/>
+          </a:ln>
+        </p:spPr>
+        <p:style>
+          <a:lnRef idx="1">
+            <a:schemeClr val="accent1"/>
+          </a:lnRef>
+          <a:fillRef idx="0">
+            <a:schemeClr val="accent1"/>
+          </a:fillRef>
+          <a:effectRef idx="0">
+            <a:schemeClr val="accent1"/>
+          </a:effectRef>
+          <a:fontRef idx="minor">
+            <a:schemeClr val="tx1"/>
+          </a:fontRef>
+        </p:style>
+      </p:cxnSp>
+      <p:cxnSp>
+        <p:nvCxnSpPr>
+          <p:cNvPr id="17" name="מחבר חץ ישר 16">
+            <a:extLst>
+              <a:ext uri="{FF2B5EF4-FFF2-40B4-BE49-F238E27FC236}">
+                <a16:creationId xmlns:a16="http://schemas.microsoft.com/office/drawing/2014/main" id="{A3A22E06-24CD-A25E-A0EA-A8AAE66D33BD}"/>
+              </a:ext>
+            </a:extLst>
+          </p:cNvPr>
+          <p:cNvCxnSpPr>
+            <a:cxnSpLocks/>
+            <a:stCxn id="7" idx="2"/>
+            <a:endCxn id="20" idx="0"/>
+          </p:cNvCxnSpPr>
+          <p:nvPr/>
+        </p:nvCxnSpPr>
+        <p:spPr>
+          <a:xfrm>
+            <a:off x="7221577" y="3281260"/>
+            <a:ext cx="573277" cy="712343"/>
+          </a:xfrm>
+          <a:prstGeom prst="straightConnector1">
+            <a:avLst/>
+          </a:prstGeom>
+          <a:ln>
+            <a:tailEnd type="triangle"/>
+          </a:ln>
+        </p:spPr>
+        <p:style>
+          <a:lnRef idx="1">
+            <a:schemeClr val="accent1"/>
+          </a:lnRef>
+          <a:fillRef idx="0">
+            <a:schemeClr val="accent1"/>
+          </a:fillRef>
+          <a:effectRef idx="0">
+            <a:schemeClr val="accent1"/>
+          </a:effectRef>
+          <a:fontRef idx="minor">
+            <a:schemeClr val="tx1"/>
+          </a:fontRef>
+        </p:style>
+      </p:cxnSp>
+      <p:sp>
+        <p:nvSpPr>
+          <p:cNvPr id="20" name="מלבן: פינות מעוגלות 19">
+            <a:extLst>
+              <a:ext uri="{FF2B5EF4-FFF2-40B4-BE49-F238E27FC236}">
+                <a16:creationId xmlns:a16="http://schemas.microsoft.com/office/drawing/2014/main" id="{DE79E04F-AD5B-7D8E-5BB3-98BF6E678932}"/>
+              </a:ext>
+            </a:extLst>
+          </p:cNvPr>
+          <p:cNvSpPr/>
+          <p:nvPr/>
+        </p:nvSpPr>
+        <p:spPr>
+          <a:xfrm>
+            <a:off x="7168320" y="3993603"/>
+            <a:ext cx="1253067" cy="609158"/>
+          </a:xfrm>
+          <a:prstGeom prst="roundRect">
+            <a:avLst/>
+          </a:prstGeom>
+          <a:solidFill>
+            <a:schemeClr val="tx2">
+              <a:lumMod val="20000"/>
+              <a:lumOff val="80000"/>
+            </a:schemeClr>
+          </a:solidFill>
+          <a:ln>
+            <a:solidFill>
+              <a:schemeClr val="tx2">
+                <a:lumMod val="60000"/>
+                <a:lumOff val="40000"/>
+              </a:schemeClr>
+            </a:solidFill>
+          </a:ln>
+        </p:spPr>
+        <p:style>
+          <a:lnRef idx="2">
+            <a:schemeClr val="accent1">
+              <a:shade val="15000"/>
+            </a:schemeClr>
+          </a:lnRef>
+          <a:fillRef idx="1">
+            <a:schemeClr val="accent1"/>
+          </a:fillRef>
+          <a:effectRef idx="0">
+            <a:schemeClr val="accent1"/>
+          </a:effectRef>
+          <a:fontRef idx="minor">
+            <a:schemeClr val="lt1"/>
+          </a:fontRef>
+        </p:style>
+        <p:txBody>
+          <a:bodyPr rtlCol="1" anchor="ctr"/>
+          <a:lstStyle/>
+          <a:p>
+            <a:pPr algn="ctr"/>
+            <a:r>
+              <a:rPr lang="en-US" dirty="0">
+                <a:solidFill>
+                  <a:schemeClr val="tx2"/>
+                </a:solidFill>
+              </a:rPr>
+              <a:t>Avatar User</a:t>
+            </a:r>
+            <a:endParaRPr lang="he-IL" dirty="0">
+              <a:solidFill>
+                <a:schemeClr val="tx2"/>
+              </a:solidFill>
+            </a:endParaRPr>
+          </a:p>
+        </p:txBody>
+      </p:sp>
+      <p:cxnSp>
+        <p:nvCxnSpPr>
+          <p:cNvPr id="22" name="מחבר חץ ישר 21">
+            <a:extLst>
+              <a:ext uri="{FF2B5EF4-FFF2-40B4-BE49-F238E27FC236}">
+                <a16:creationId xmlns:a16="http://schemas.microsoft.com/office/drawing/2014/main" id="{B2938DDA-E273-50E9-7B7F-41A26586C7B3}"/>
+              </a:ext>
+            </a:extLst>
+          </p:cNvPr>
+          <p:cNvCxnSpPr>
+            <a:cxnSpLocks/>
+            <a:stCxn id="20" idx="2"/>
+            <a:endCxn id="30" idx="0"/>
+          </p:cNvCxnSpPr>
+          <p:nvPr/>
+        </p:nvCxnSpPr>
+        <p:spPr>
+          <a:xfrm>
+            <a:off x="7794854" y="4602761"/>
+            <a:ext cx="926693" cy="1016922"/>
+          </a:xfrm>
+          <a:prstGeom prst="straightConnector1">
+            <a:avLst/>
+          </a:prstGeom>
+          <a:ln>
+            <a:tailEnd type="triangle"/>
+          </a:ln>
+        </p:spPr>
+        <p:style>
+          <a:lnRef idx="1">
+            <a:schemeClr val="accent1"/>
+          </a:lnRef>
+          <a:fillRef idx="0">
+            <a:schemeClr val="accent1"/>
+          </a:fillRef>
+          <a:effectRef idx="0">
+            <a:schemeClr val="accent1"/>
+          </a:effectRef>
+          <a:fontRef idx="minor">
+            <a:schemeClr val="tx1"/>
+          </a:fontRef>
+        </p:style>
+      </p:cxnSp>
+      <p:cxnSp>
+        <p:nvCxnSpPr>
+          <p:cNvPr id="31" name="מחבר חץ ישר 30">
+            <a:extLst>
+              <a:ext uri="{FF2B5EF4-FFF2-40B4-BE49-F238E27FC236}">
+                <a16:creationId xmlns:a16="http://schemas.microsoft.com/office/drawing/2014/main" id="{4313470C-7193-E6C7-DDFF-59A3CA840480}"/>
+              </a:ext>
+            </a:extLst>
+          </p:cNvPr>
+          <p:cNvCxnSpPr>
+            <a:cxnSpLocks/>
+            <a:stCxn id="21" idx="2"/>
+            <a:endCxn id="29" idx="0"/>
+          </p:cNvCxnSpPr>
+          <p:nvPr/>
+        </p:nvCxnSpPr>
+        <p:spPr>
+          <a:xfrm flipH="1">
+            <a:off x="4037490" y="1707891"/>
+            <a:ext cx="2058510" cy="355053"/>
+          </a:xfrm>
+          <a:prstGeom prst="straightConnector1">
+            <a:avLst/>
+          </a:prstGeom>
+          <a:ln>
+            <a:tailEnd type="triangle"/>
+          </a:ln>
+        </p:spPr>
+        <p:style>
+          <a:lnRef idx="1">
+            <a:schemeClr val="accent1"/>
+          </a:lnRef>
+          <a:fillRef idx="0">
+            <a:schemeClr val="accent1"/>
+          </a:fillRef>
+          <a:effectRef idx="0">
+            <a:schemeClr val="accent1"/>
+          </a:effectRef>
+          <a:fontRef idx="minor">
+            <a:schemeClr val="tx1"/>
+          </a:fontRef>
+        </p:style>
+      </p:cxnSp>
+      <p:cxnSp>
+        <p:nvCxnSpPr>
+          <p:cNvPr id="36" name="מחבר חץ ישר 35">
+            <a:extLst>
+              <a:ext uri="{FF2B5EF4-FFF2-40B4-BE49-F238E27FC236}">
+                <a16:creationId xmlns:a16="http://schemas.microsoft.com/office/drawing/2014/main" id="{856EB285-A7D1-DD2A-234E-DA002C3C6642}"/>
+              </a:ext>
+            </a:extLst>
+          </p:cNvPr>
+          <p:cNvCxnSpPr>
+            <a:cxnSpLocks/>
+            <a:stCxn id="5" idx="2"/>
+            <a:endCxn id="21" idx="0"/>
+          </p:cNvCxnSpPr>
+          <p:nvPr/>
+        </p:nvCxnSpPr>
+        <p:spPr>
+          <a:xfrm>
+            <a:off x="6045190" y="721953"/>
+            <a:ext cx="50810" cy="376780"/>
+          </a:xfrm>
+          <a:prstGeom prst="straightConnector1">
+            <a:avLst/>
+          </a:prstGeom>
+          <a:ln>
+            <a:tailEnd type="triangle"/>
+          </a:ln>
+        </p:spPr>
+        <p:style>
+          <a:lnRef idx="1">
+            <a:schemeClr val="accent1"/>
+          </a:lnRef>
+          <a:fillRef idx="0">
+            <a:schemeClr val="accent1"/>
+          </a:fillRef>
+          <a:effectRef idx="0">
+            <a:schemeClr val="accent1"/>
+          </a:effectRef>
+          <a:fontRef idx="minor">
+            <a:schemeClr val="tx1"/>
+          </a:fontRef>
+        </p:style>
+      </p:cxnSp>
+      <p:cxnSp>
+        <p:nvCxnSpPr>
+          <p:cNvPr id="45" name="מחבר חץ ישר 44">
+            <a:extLst>
+              <a:ext uri="{FF2B5EF4-FFF2-40B4-BE49-F238E27FC236}">
+                <a16:creationId xmlns:a16="http://schemas.microsoft.com/office/drawing/2014/main" id="{25AE1662-824D-3552-1F51-B135989A2385}"/>
+              </a:ext>
+            </a:extLst>
+          </p:cNvPr>
+          <p:cNvCxnSpPr>
+            <a:cxnSpLocks/>
+            <a:stCxn id="29" idx="2"/>
+            <a:endCxn id="54" idx="0"/>
+          </p:cNvCxnSpPr>
+          <p:nvPr/>
+        </p:nvCxnSpPr>
+        <p:spPr>
+          <a:xfrm flipH="1">
+            <a:off x="2756108" y="2672102"/>
+            <a:ext cx="1281382" cy="828934"/>
+          </a:xfrm>
+          <a:prstGeom prst="straightConnector1">
+            <a:avLst/>
+          </a:prstGeom>
+          <a:ln>
+            <a:tailEnd type="triangle"/>
+          </a:ln>
+        </p:spPr>
+        <p:style>
+          <a:lnRef idx="1">
+            <a:schemeClr val="accent1"/>
+          </a:lnRef>
+          <a:fillRef idx="0">
+            <a:schemeClr val="accent1"/>
+          </a:fillRef>
+          <a:effectRef idx="0">
+            <a:schemeClr val="accent1"/>
+          </a:effectRef>
+          <a:fontRef idx="minor">
+            <a:schemeClr val="tx1"/>
+          </a:fontRef>
+        </p:style>
+      </p:cxnSp>
+      <p:cxnSp>
+        <p:nvCxnSpPr>
+          <p:cNvPr id="46" name="מחבר חץ ישר 45">
+            <a:extLst>
+              <a:ext uri="{FF2B5EF4-FFF2-40B4-BE49-F238E27FC236}">
+                <a16:creationId xmlns:a16="http://schemas.microsoft.com/office/drawing/2014/main" id="{CCE2C951-261A-DC9B-EAA7-353332AA6EB4}"/>
+              </a:ext>
+            </a:extLst>
+          </p:cNvPr>
+          <p:cNvCxnSpPr>
+            <a:cxnSpLocks/>
+            <a:stCxn id="29" idx="2"/>
+            <a:endCxn id="56" idx="0"/>
+          </p:cNvCxnSpPr>
+          <p:nvPr/>
+        </p:nvCxnSpPr>
+        <p:spPr>
+          <a:xfrm>
+            <a:off x="4037490" y="2672102"/>
+            <a:ext cx="1526288" cy="823866"/>
+          </a:xfrm>
+          <a:prstGeom prst="straightConnector1">
+            <a:avLst/>
+          </a:prstGeom>
+          <a:ln>
+            <a:tailEnd type="triangle"/>
+          </a:ln>
+        </p:spPr>
+        <p:style>
+          <a:lnRef idx="1">
+            <a:schemeClr val="accent1"/>
+          </a:lnRef>
+          <a:fillRef idx="0">
+            <a:schemeClr val="accent1"/>
+          </a:fillRef>
+          <a:effectRef idx="0">
+            <a:schemeClr val="accent1"/>
+          </a:effectRef>
+          <a:fontRef idx="minor">
+            <a:schemeClr val="tx1"/>
+          </a:fontRef>
+        </p:style>
+      </p:cxnSp>
+      <p:cxnSp>
+        <p:nvCxnSpPr>
+          <p:cNvPr id="47" name="מחבר חץ ישר 46">
+            <a:extLst>
+              <a:ext uri="{FF2B5EF4-FFF2-40B4-BE49-F238E27FC236}">
+                <a16:creationId xmlns:a16="http://schemas.microsoft.com/office/drawing/2014/main" id="{CFD6CE46-B2EC-17BB-79AB-801F7BFDFF6B}"/>
+              </a:ext>
+            </a:extLst>
+          </p:cNvPr>
+          <p:cNvCxnSpPr>
+            <a:cxnSpLocks/>
+            <a:stCxn id="29" idx="2"/>
+            <a:endCxn id="55" idx="0"/>
+          </p:cNvCxnSpPr>
+          <p:nvPr/>
+        </p:nvCxnSpPr>
+        <p:spPr>
+          <a:xfrm flipH="1">
+            <a:off x="1208959" y="2672102"/>
+            <a:ext cx="2828531" cy="598016"/>
+          </a:xfrm>
+          <a:prstGeom prst="straightConnector1">
+            <a:avLst/>
+          </a:prstGeom>
+          <a:ln>
+            <a:tailEnd type="triangle"/>
+          </a:ln>
+        </p:spPr>
+        <p:style>
+          <a:lnRef idx="1">
+            <a:schemeClr val="accent1"/>
+          </a:lnRef>
+          <a:fillRef idx="0">
+            <a:schemeClr val="accent1"/>
+          </a:fillRef>
+          <a:effectRef idx="0">
+            <a:schemeClr val="accent1"/>
+          </a:effectRef>
+          <a:fontRef idx="minor">
+            <a:schemeClr val="tx1"/>
+          </a:fontRef>
+        </p:style>
+      </p:cxnSp>
+      <p:sp>
+        <p:nvSpPr>
+          <p:cNvPr id="54" name="מלבן: פינות מעוגלות 53">
+            <a:extLst>
+              <a:ext uri="{FF2B5EF4-FFF2-40B4-BE49-F238E27FC236}">
+                <a16:creationId xmlns:a16="http://schemas.microsoft.com/office/drawing/2014/main" id="{A3DD8FBF-40F0-6126-5CE8-CB6DF82D7194}"/>
+              </a:ext>
+            </a:extLst>
+          </p:cNvPr>
+          <p:cNvSpPr/>
+          <p:nvPr/>
+        </p:nvSpPr>
+        <p:spPr>
+          <a:xfrm>
+            <a:off x="2129574" y="3501036"/>
+            <a:ext cx="1253067" cy="609158"/>
+          </a:xfrm>
+          <a:prstGeom prst="roundRect">
+            <a:avLst/>
+          </a:prstGeom>
+          <a:solidFill>
+            <a:schemeClr val="tx2">
+              <a:lumMod val="20000"/>
+              <a:lumOff val="80000"/>
+            </a:schemeClr>
+          </a:solidFill>
+          <a:ln>
+            <a:solidFill>
+              <a:schemeClr val="tx2">
+                <a:lumMod val="60000"/>
+                <a:lumOff val="40000"/>
+              </a:schemeClr>
+            </a:solidFill>
+          </a:ln>
+        </p:spPr>
+        <p:style>
+          <a:lnRef idx="2">
+            <a:schemeClr val="accent1">
+              <a:shade val="15000"/>
+            </a:schemeClr>
+          </a:lnRef>
+          <a:fillRef idx="1">
+            <a:schemeClr val="accent1"/>
+          </a:fillRef>
+          <a:effectRef idx="0">
+            <a:schemeClr val="accent1"/>
+          </a:effectRef>
+          <a:fontRef idx="minor">
+            <a:schemeClr val="lt1"/>
+          </a:fontRef>
+        </p:style>
+        <p:txBody>
+          <a:bodyPr rtlCol="1" anchor="ctr"/>
+          <a:lstStyle/>
+          <a:p>
+            <a:pPr algn="ctr"/>
+            <a:r>
+              <a:rPr lang="en-US" dirty="0">
+                <a:solidFill>
+                  <a:schemeClr val="tx2"/>
+                </a:solidFill>
+              </a:rPr>
+              <a:t>Recipe Details</a:t>
+            </a:r>
+            <a:endParaRPr lang="he-IL" dirty="0">
+              <a:solidFill>
+                <a:schemeClr val="tx2"/>
+              </a:solidFill>
+            </a:endParaRPr>
+          </a:p>
+        </p:txBody>
+      </p:sp>
+      <p:sp>
+        <p:nvSpPr>
+          <p:cNvPr id="55" name="מלבן: פינות מעוגלות 54">
+            <a:extLst>
+              <a:ext uri="{FF2B5EF4-FFF2-40B4-BE49-F238E27FC236}">
+                <a16:creationId xmlns:a16="http://schemas.microsoft.com/office/drawing/2014/main" id="{965B78CB-E952-4223-D8EC-B82870EC89B6}"/>
+              </a:ext>
+            </a:extLst>
+          </p:cNvPr>
+          <p:cNvSpPr/>
+          <p:nvPr/>
+        </p:nvSpPr>
+        <p:spPr>
+          <a:xfrm>
+            <a:off x="582425" y="3270118"/>
+            <a:ext cx="1253067" cy="609158"/>
+          </a:xfrm>
+          <a:prstGeom prst="roundRect">
+            <a:avLst/>
+          </a:prstGeom>
+          <a:solidFill>
+            <a:schemeClr val="tx2">
+              <a:lumMod val="20000"/>
+              <a:lumOff val="80000"/>
+            </a:schemeClr>
+          </a:solidFill>
+          <a:ln>
+            <a:solidFill>
+              <a:schemeClr val="tx2">
+                <a:lumMod val="60000"/>
+                <a:lumOff val="40000"/>
+              </a:schemeClr>
+            </a:solidFill>
+          </a:ln>
+        </p:spPr>
+        <p:style>
+          <a:lnRef idx="2">
+            <a:schemeClr val="accent1">
+              <a:shade val="15000"/>
+            </a:schemeClr>
+          </a:lnRef>
+          <a:fillRef idx="1">
+            <a:schemeClr val="accent1"/>
+          </a:fillRef>
+          <a:effectRef idx="0">
+            <a:schemeClr val="accent1"/>
+          </a:effectRef>
+          <a:fontRef idx="minor">
+            <a:schemeClr val="lt1"/>
+          </a:fontRef>
+        </p:style>
+        <p:txBody>
+          <a:bodyPr rtlCol="1" anchor="ctr"/>
+          <a:lstStyle/>
+          <a:p>
+            <a:pPr algn="ctr"/>
+            <a:r>
+              <a:rPr lang="en-US" dirty="0">
+                <a:solidFill>
+                  <a:schemeClr val="tx2"/>
+                </a:solidFill>
+              </a:rPr>
+              <a:t>Second</a:t>
+            </a:r>
+            <a:endParaRPr lang="he-IL" dirty="0">
+              <a:solidFill>
+                <a:schemeClr val="tx2"/>
+              </a:solidFill>
+            </a:endParaRPr>
+          </a:p>
+        </p:txBody>
+      </p:sp>
+      <p:sp>
+        <p:nvSpPr>
+          <p:cNvPr id="56" name="מלבן: פינות מעוגלות 55">
+            <a:extLst>
+              <a:ext uri="{FF2B5EF4-FFF2-40B4-BE49-F238E27FC236}">
+                <a16:creationId xmlns:a16="http://schemas.microsoft.com/office/drawing/2014/main" id="{1E9B08DA-0CDB-6824-3867-0FBE8CD8C5F0}"/>
+              </a:ext>
+            </a:extLst>
+          </p:cNvPr>
+          <p:cNvSpPr/>
+          <p:nvPr/>
+        </p:nvSpPr>
+        <p:spPr>
+          <a:xfrm>
+            <a:off x="4937244" y="3495968"/>
+            <a:ext cx="1253067" cy="609158"/>
+          </a:xfrm>
+          <a:prstGeom prst="roundRect">
+            <a:avLst/>
+          </a:prstGeom>
+          <a:solidFill>
+            <a:schemeClr val="tx2">
+              <a:lumMod val="20000"/>
+              <a:lumOff val="80000"/>
+            </a:schemeClr>
+          </a:solidFill>
+          <a:ln>
+            <a:solidFill>
+              <a:schemeClr val="tx2">
+                <a:lumMod val="60000"/>
+                <a:lumOff val="40000"/>
+              </a:schemeClr>
+            </a:solidFill>
+          </a:ln>
+        </p:spPr>
+        <p:style>
+          <a:lnRef idx="2">
+            <a:schemeClr val="accent1">
+              <a:shade val="15000"/>
+            </a:schemeClr>
+          </a:lnRef>
+          <a:fillRef idx="1">
+            <a:schemeClr val="accent1"/>
+          </a:fillRef>
+          <a:effectRef idx="0">
+            <a:schemeClr val="accent1"/>
+          </a:effectRef>
+          <a:fontRef idx="minor">
+            <a:schemeClr val="lt1"/>
+          </a:fontRef>
+        </p:style>
+        <p:txBody>
+          <a:bodyPr rtlCol="1" anchor="ctr"/>
+          <a:lstStyle/>
+          <a:p>
+            <a:pPr algn="ctr"/>
+            <a:r>
+              <a:rPr lang="en-US" dirty="0">
+                <a:solidFill>
+                  <a:schemeClr val="tx2"/>
+                </a:solidFill>
+              </a:rPr>
+              <a:t>First</a:t>
+            </a:r>
+            <a:endParaRPr lang="he-IL" dirty="0">
+              <a:solidFill>
+                <a:schemeClr val="tx2"/>
+              </a:solidFill>
+            </a:endParaRPr>
+          </a:p>
+        </p:txBody>
+      </p:sp>
+      <p:sp>
+        <p:nvSpPr>
+          <p:cNvPr id="73" name="מלבן: פינות מעוגלות 72">
+            <a:extLst>
+              <a:ext uri="{FF2B5EF4-FFF2-40B4-BE49-F238E27FC236}">
+                <a16:creationId xmlns:a16="http://schemas.microsoft.com/office/drawing/2014/main" id="{B1849C03-7DB6-AAD8-3D3E-CD193A52E070}"/>
+              </a:ext>
+            </a:extLst>
+          </p:cNvPr>
+          <p:cNvSpPr/>
+          <p:nvPr/>
+        </p:nvSpPr>
+        <p:spPr>
+          <a:xfrm>
+            <a:off x="3420298" y="4298729"/>
+            <a:ext cx="1253067" cy="609158"/>
+          </a:xfrm>
+          <a:prstGeom prst="roundRect">
+            <a:avLst/>
+          </a:prstGeom>
+          <a:solidFill>
+            <a:schemeClr val="tx2">
+              <a:lumMod val="20000"/>
+              <a:lumOff val="80000"/>
+            </a:schemeClr>
+          </a:solidFill>
+          <a:ln>
+            <a:solidFill>
+              <a:schemeClr val="tx2">
+                <a:lumMod val="60000"/>
+                <a:lumOff val="40000"/>
+              </a:schemeClr>
+            </a:solidFill>
+          </a:ln>
+        </p:spPr>
+        <p:style>
+          <a:lnRef idx="2">
+            <a:schemeClr val="accent1">
+              <a:shade val="15000"/>
+            </a:schemeClr>
+          </a:lnRef>
+          <a:fillRef idx="1">
+            <a:schemeClr val="accent1"/>
+          </a:fillRef>
+          <a:effectRef idx="0">
+            <a:schemeClr val="accent1"/>
+          </a:effectRef>
+          <a:fontRef idx="minor">
+            <a:schemeClr val="lt1"/>
+          </a:fontRef>
+        </p:style>
+        <p:txBody>
+          <a:bodyPr rtlCol="1" anchor="ctr"/>
+          <a:lstStyle/>
+          <a:p>
+            <a:pPr algn="ctr"/>
+            <a:r>
+              <a:rPr lang="en-US" dirty="0">
+                <a:solidFill>
+                  <a:schemeClr val="tx2"/>
+                </a:solidFill>
+              </a:rPr>
+              <a:t>Add Recipe</a:t>
+            </a:r>
+            <a:endParaRPr lang="he-IL" dirty="0">
+              <a:solidFill>
+                <a:schemeClr val="tx2"/>
+              </a:solidFill>
+            </a:endParaRPr>
+          </a:p>
+        </p:txBody>
+      </p:sp>
+      <p:cxnSp>
+        <p:nvCxnSpPr>
+          <p:cNvPr id="74" name="מחבר חץ ישר 73">
+            <a:extLst>
+              <a:ext uri="{FF2B5EF4-FFF2-40B4-BE49-F238E27FC236}">
+                <a16:creationId xmlns:a16="http://schemas.microsoft.com/office/drawing/2014/main" id="{D7C08088-61E0-0120-4C77-C33E8249727B}"/>
+              </a:ext>
+            </a:extLst>
+          </p:cNvPr>
+          <p:cNvCxnSpPr>
+            <a:cxnSpLocks/>
+            <a:stCxn id="29" idx="2"/>
+            <a:endCxn id="73" idx="0"/>
+          </p:cNvCxnSpPr>
+          <p:nvPr/>
+        </p:nvCxnSpPr>
+        <p:spPr>
+          <a:xfrm>
+            <a:off x="4037490" y="2672102"/>
+            <a:ext cx="9342" cy="1626627"/>
+          </a:xfrm>
+          <a:prstGeom prst="straightConnector1">
+            <a:avLst/>
+          </a:prstGeom>
+          <a:ln>
+            <a:tailEnd type="triangle"/>
+          </a:ln>
+        </p:spPr>
+        <p:style>
+          <a:lnRef idx="1">
+            <a:schemeClr val="accent1"/>
+          </a:lnRef>
+          <a:fillRef idx="0">
+            <a:schemeClr val="accent1"/>
+          </a:fillRef>
+          <a:effectRef idx="0">
+            <a:schemeClr val="accent1"/>
+          </a:effectRef>
+          <a:fontRef idx="minor">
+            <a:schemeClr val="tx1"/>
+          </a:fontRef>
+        </p:style>
+      </p:cxnSp>
+      <p:sp>
+        <p:nvSpPr>
+          <p:cNvPr id="101" name="מלבן: פינות מעוגלות 100">
+            <a:extLst>
+              <a:ext uri="{FF2B5EF4-FFF2-40B4-BE49-F238E27FC236}">
+                <a16:creationId xmlns:a16="http://schemas.microsoft.com/office/drawing/2014/main" id="{D388AE66-FB06-1F37-2D21-E9874573EF8A}"/>
+              </a:ext>
+            </a:extLst>
+          </p:cNvPr>
+          <p:cNvSpPr/>
+          <p:nvPr/>
+        </p:nvSpPr>
+        <p:spPr>
+          <a:xfrm>
+            <a:off x="2022711" y="5315104"/>
+            <a:ext cx="1253067" cy="609158"/>
+          </a:xfrm>
+          <a:prstGeom prst="roundRect">
+            <a:avLst/>
+          </a:prstGeom>
+          <a:solidFill>
+            <a:schemeClr val="tx2">
+              <a:lumMod val="20000"/>
+              <a:lumOff val="80000"/>
+            </a:schemeClr>
+          </a:solidFill>
+          <a:ln>
+            <a:solidFill>
+              <a:schemeClr val="tx2">
+                <a:lumMod val="60000"/>
+                <a:lumOff val="40000"/>
+              </a:schemeClr>
+            </a:solidFill>
+          </a:ln>
+        </p:spPr>
+        <p:style>
+          <a:lnRef idx="2">
+            <a:schemeClr val="accent1">
+              <a:shade val="15000"/>
+            </a:schemeClr>
+          </a:lnRef>
+          <a:fillRef idx="1">
+            <a:schemeClr val="accent1"/>
+          </a:fillRef>
+          <a:effectRef idx="0">
+            <a:schemeClr val="accent1"/>
+          </a:effectRef>
+          <a:fontRef idx="minor">
+            <a:schemeClr val="lt1"/>
+          </a:fontRef>
+        </p:style>
+        <p:txBody>
+          <a:bodyPr rtlCol="1" anchor="ctr"/>
+          <a:lstStyle/>
+          <a:p>
+            <a:pPr algn="ctr"/>
+            <a:r>
+              <a:rPr lang="en-US" dirty="0">
+                <a:solidFill>
+                  <a:schemeClr val="tx2"/>
+                </a:solidFill>
+              </a:rPr>
+              <a:t>Recipe Store</a:t>
+            </a:r>
+            <a:endParaRPr lang="he-IL" dirty="0">
+              <a:solidFill>
+                <a:schemeClr val="tx2"/>
+              </a:solidFill>
+            </a:endParaRPr>
+          </a:p>
+        </p:txBody>
+      </p:sp>
+      <p:cxnSp>
+        <p:nvCxnSpPr>
+          <p:cNvPr id="102" name="מחבר חץ ישר 101">
+            <a:extLst>
+              <a:ext uri="{FF2B5EF4-FFF2-40B4-BE49-F238E27FC236}">
+                <a16:creationId xmlns:a16="http://schemas.microsoft.com/office/drawing/2014/main" id="{A20C6226-D31A-6302-863C-320CE3294994}"/>
+              </a:ext>
+            </a:extLst>
+          </p:cNvPr>
+          <p:cNvCxnSpPr>
+            <a:cxnSpLocks/>
+            <a:stCxn id="73" idx="2"/>
+            <a:endCxn id="101" idx="0"/>
+          </p:cNvCxnSpPr>
+          <p:nvPr/>
+        </p:nvCxnSpPr>
+        <p:spPr>
+          <a:xfrm flipH="1">
+            <a:off x="2649245" y="4907887"/>
+            <a:ext cx="1397587" cy="407217"/>
+          </a:xfrm>
+          <a:prstGeom prst="straightConnector1">
+            <a:avLst/>
+          </a:prstGeom>
+          <a:ln>
+            <a:tailEnd type="triangle"/>
+          </a:ln>
+        </p:spPr>
+        <p:style>
+          <a:lnRef idx="1">
+            <a:schemeClr val="accent1"/>
+          </a:lnRef>
+          <a:fillRef idx="0">
+            <a:schemeClr val="accent1"/>
+          </a:fillRef>
+          <a:effectRef idx="0">
+            <a:schemeClr val="accent1"/>
+          </a:effectRef>
+          <a:fontRef idx="minor">
+            <a:schemeClr val="tx1"/>
+          </a:fontRef>
+        </p:style>
+      </p:cxnSp>
+      <p:cxnSp>
+        <p:nvCxnSpPr>
+          <p:cNvPr id="103" name="מחבר חץ ישר 102">
+            <a:extLst>
+              <a:ext uri="{FF2B5EF4-FFF2-40B4-BE49-F238E27FC236}">
+                <a16:creationId xmlns:a16="http://schemas.microsoft.com/office/drawing/2014/main" id="{BD9EF856-8F10-9122-6AFD-CA07191E456F}"/>
+              </a:ext>
+            </a:extLst>
+          </p:cNvPr>
+          <p:cNvCxnSpPr>
+            <a:cxnSpLocks/>
+            <a:stCxn id="54" idx="2"/>
+            <a:endCxn id="101" idx="0"/>
+          </p:cNvCxnSpPr>
+          <p:nvPr/>
+        </p:nvCxnSpPr>
+        <p:spPr>
+          <a:xfrm flipH="1">
+            <a:off x="2649245" y="4110194"/>
+            <a:ext cx="106863" cy="1204910"/>
+          </a:xfrm>
+          <a:prstGeom prst="straightConnector1">
+            <a:avLst/>
+          </a:prstGeom>
+          <a:ln>
+            <a:tailEnd type="triangle"/>
+          </a:ln>
+        </p:spPr>
+        <p:style>
+          <a:lnRef idx="1">
+            <a:schemeClr val="accent1"/>
+          </a:lnRef>
+          <a:fillRef idx="0">
+            <a:schemeClr val="accent1"/>
+          </a:fillRef>
+          <a:effectRef idx="0">
+            <a:schemeClr val="accent1"/>
+          </a:effectRef>
+          <a:fontRef idx="minor">
+            <a:schemeClr val="tx1"/>
+          </a:fontRef>
+        </p:style>
+      </p:cxnSp>
     </p:spTree>
     <p:extLst>
       <p:ext uri="{BB962C8B-B14F-4D97-AF65-F5344CB8AC3E}">
